--- a/Aario-PPT/IT/2. Aario's Code Style Guide.pptx
+++ b/Aario-PPT/IT/2. Aario's Code Style Guide.pptx
@@ -9,10 +9,11 @@
     <p:sldId id="258" r:id="rId3"/>
     <p:sldId id="257" r:id="rId4"/>
     <p:sldId id="263" r:id="rId5"/>
-    <p:sldId id="259" r:id="rId6"/>
-    <p:sldId id="260" r:id="rId7"/>
-    <p:sldId id="262" r:id="rId8"/>
-    <p:sldId id="261" r:id="rId9"/>
+    <p:sldId id="264" r:id="rId6"/>
+    <p:sldId id="259" r:id="rId7"/>
+    <p:sldId id="260" r:id="rId8"/>
+    <p:sldId id="262" r:id="rId9"/>
+    <p:sldId id="261" r:id="rId10"/>
   </p:sldIdLst>
   <p:sldSz cx="9144000" cy="6858000" type="screen4x3"/>
   <p:notesSz cx="6858000" cy="9144000"/>
@@ -111,6 +112,22 @@
       </a:defRPr>
     </a:lvl9pPr>
   </p:defaultTextStyle>
+  <p:extLst>
+    <p:ext uri="{EFAFB233-063F-42B5-8137-9DF3F51BA10A}">
+      <p15:sldGuideLst xmlns:p15="http://schemas.microsoft.com/office/powerpoint/2012/main">
+        <p15:guide id="1" orient="horz" pos="2160">
+          <p15:clr>
+            <a:srgbClr val="A4A3A4"/>
+          </p15:clr>
+        </p15:guide>
+        <p15:guide id="2" pos="2880">
+          <p15:clr>
+            <a:srgbClr val="A4A3A4"/>
+          </p15:clr>
+        </p15:guide>
+      </p15:sldGuideLst>
+    </p:ext>
+  </p:extLst>
 </p:presentation>
 </file>
 
@@ -3796,6 +3813,149 @@
       </p:grpSpPr>
       <p:sp>
         <p:nvSpPr>
+          <p:cNvPr id="5" name="文本框 4"/>
+          <p:cNvSpPr txBox="1"/>
+          <p:nvPr/>
+        </p:nvSpPr>
+        <p:spPr>
+          <a:xfrm>
+            <a:off x="5292080" y="2420888"/>
+            <a:ext cx="3096344" cy="2031325"/>
+          </a:xfrm>
+          <a:prstGeom prst="rect">
+            <a:avLst/>
+          </a:prstGeom>
+          <a:noFill/>
+        </p:spPr>
+        <p:txBody>
+          <a:bodyPr wrap="square" rtlCol="0">
+            <a:spAutoFit/>
+          </a:bodyPr>
+          <a:lstStyle/>
+          <a:p>
+            <a:r>
+              <a:rPr lang="en-US" altLang="zh-CN" dirty="0" smtClean="0"/>
+              <a:t>Follow the code style of whose file you are modifying. </a:t>
+            </a:r>
+          </a:p>
+          <a:p>
+            <a:r>
+              <a:rPr lang="en-US" altLang="zh-CN" dirty="0" smtClean="0"/>
+              <a:t>Do not reformat the code style that doesn't belong to you! </a:t>
+            </a:r>
+          </a:p>
+          <a:p>
+            <a:r>
+              <a:rPr lang="en-US" altLang="zh-CN" dirty="0" smtClean="0"/>
+              <a:t>You can reformat the code style of a file after transferring the file’s ownership to you.</a:t>
+            </a:r>
+            <a:endParaRPr lang="zh-CN" altLang="en-US" dirty="0"/>
+          </a:p>
+        </p:txBody>
+      </p:sp>
+      <p:pic>
+        <p:nvPicPr>
+          <p:cNvPr id="1026" name="Picture 2" descr="http://es.pinkbike.org/245/sprt/i/anthill/FollowMe-Logo-lrg.gif"/>
+          <p:cNvPicPr>
+            <a:picLocks noChangeAspect="1" noChangeArrowheads="1"/>
+          </p:cNvPicPr>
+          <p:nvPr/>
+        </p:nvPicPr>
+        <p:blipFill>
+          <a:blip r:embed="rId2" cstate="print">
+            <a:extLst>
+              <a:ext uri="{28A0092B-C50C-407E-A947-70E740481C1C}">
+                <a14:useLocalDpi xmlns:a14="http://schemas.microsoft.com/office/drawing/2010/main" val="0"/>
+              </a:ext>
+            </a:extLst>
+          </a:blip>
+          <a:srcRect/>
+          <a:stretch>
+            <a:fillRect/>
+          </a:stretch>
+        </p:blipFill>
+        <p:spPr bwMode="auto">
+          <a:xfrm>
+            <a:off x="6084168" y="620688"/>
+            <a:ext cx="1968153" cy="1371535"/>
+          </a:xfrm>
+          <a:prstGeom prst="rect">
+            <a:avLst/>
+          </a:prstGeom>
+          <a:noFill/>
+          <a:extLst>
+            <a:ext uri="{909E8E84-426E-40DD-AFC4-6F175D3DCCD1}">
+              <a14:hiddenFill xmlns:a14="http://schemas.microsoft.com/office/drawing/2010/main">
+                <a:solidFill>
+                  <a:srgbClr val="FFFFFF"/>
+                </a:solidFill>
+              </a14:hiddenFill>
+            </a:ext>
+          </a:extLst>
+        </p:spPr>
+      </p:pic>
+      <p:pic>
+        <p:nvPicPr>
+          <p:cNvPr id="6" name="图片 5"/>
+          <p:cNvPicPr>
+            <a:picLocks noChangeAspect="1"/>
+          </p:cNvPicPr>
+          <p:nvPr/>
+        </p:nvPicPr>
+        <p:blipFill>
+          <a:blip r:embed="rId3">
+            <a:extLst>
+              <a:ext uri="{28A0092B-C50C-407E-A947-70E740481C1C}">
+                <a14:useLocalDpi xmlns:a14="http://schemas.microsoft.com/office/drawing/2010/main" val="0"/>
+              </a:ext>
+            </a:extLst>
+          </a:blip>
+          <a:stretch>
+            <a:fillRect/>
+          </a:stretch>
+        </p:blipFill>
+        <p:spPr>
+          <a:xfrm>
+            <a:off x="683568" y="305695"/>
+            <a:ext cx="3960440" cy="6147641"/>
+          </a:xfrm>
+          <a:prstGeom prst="rect">
+            <a:avLst/>
+          </a:prstGeom>
+        </p:spPr>
+      </p:pic>
+    </p:spTree>
+    <p:extLst>
+      <p:ext uri="{BB962C8B-B14F-4D97-AF65-F5344CB8AC3E}">
+        <p14:creationId xmlns:p14="http://schemas.microsoft.com/office/powerpoint/2010/main" val="2930152982"/>
+      </p:ext>
+    </p:extLst>
+  </p:cSld>
+  <p:clrMapOvr>
+    <a:masterClrMapping/>
+  </p:clrMapOvr>
+</p:sld>
+</file>
+
+<file path=ppt/slides/slide6.xml><?xml version="1.0" encoding="utf-8"?>
+<p:sld xmlns:a="http://schemas.openxmlformats.org/drawingml/2006/main" xmlns:r="http://schemas.openxmlformats.org/officeDocument/2006/relationships" xmlns:p="http://schemas.openxmlformats.org/presentationml/2006/main">
+  <p:cSld>
+    <p:spTree>
+      <p:nvGrpSpPr>
+        <p:cNvPr id="1" name=""/>
+        <p:cNvGrpSpPr/>
+        <p:nvPr/>
+      </p:nvGrpSpPr>
+      <p:grpSpPr>
+        <a:xfrm>
+          <a:off x="0" y="0"/>
+          <a:ext cx="0" cy="0"/>
+          <a:chOff x="0" y="0"/>
+          <a:chExt cx="0" cy="0"/>
+        </a:xfrm>
+      </p:grpSpPr>
+      <p:sp>
+        <p:nvSpPr>
           <p:cNvPr id="8" name="TextBox 7"/>
           <p:cNvSpPr txBox="1"/>
           <p:nvPr/>
@@ -5059,7 +5219,7 @@
 </p:sld>
 </file>
 
-<file path=ppt/slides/slide6.xml><?xml version="1.0" encoding="utf-8"?>
+<file path=ppt/slides/slide7.xml><?xml version="1.0" encoding="utf-8"?>
 <p:sld xmlns:a="http://schemas.openxmlformats.org/drawingml/2006/main" xmlns:r="http://schemas.openxmlformats.org/officeDocument/2006/relationships" xmlns:p="http://schemas.openxmlformats.org/presentationml/2006/main">
   <p:cSld>
     <p:spTree>
@@ -5312,213 +5472,6 @@
 </p:sld>
 </file>
 
-<file path=ppt/slides/slide7.xml><?xml version="1.0" encoding="utf-8"?>
-<p:sld xmlns:a="http://schemas.openxmlformats.org/drawingml/2006/main" xmlns:r="http://schemas.openxmlformats.org/officeDocument/2006/relationships" xmlns:p="http://schemas.openxmlformats.org/presentationml/2006/main">
-  <p:cSld>
-    <p:spTree>
-      <p:nvGrpSpPr>
-        <p:cNvPr id="1" name=""/>
-        <p:cNvGrpSpPr/>
-        <p:nvPr/>
-      </p:nvGrpSpPr>
-      <p:grpSpPr>
-        <a:xfrm>
-          <a:off x="0" y="0"/>
-          <a:ext cx="0" cy="0"/>
-          <a:chOff x="0" y="0"/>
-          <a:chExt cx="0" cy="0"/>
-        </a:xfrm>
-      </p:grpSpPr>
-      <p:sp>
-        <p:nvSpPr>
-          <p:cNvPr id="4" name="TextBox 3"/>
-          <p:cNvSpPr txBox="1"/>
-          <p:nvPr/>
-        </p:nvSpPr>
-        <p:spPr>
-          <a:xfrm>
-            <a:off x="611560" y="557972"/>
-            <a:ext cx="1944216" cy="707886"/>
-          </a:xfrm>
-          <a:prstGeom prst="rect">
-            <a:avLst/>
-          </a:prstGeom>
-          <a:noFill/>
-        </p:spPr>
-        <p:txBody>
-          <a:bodyPr wrap="square" rtlCol="0">
-            <a:spAutoFit/>
-          </a:bodyPr>
-          <a:lstStyle/>
-          <a:p>
-            <a:r>
-              <a:rPr lang="en-US" altLang="zh-CN" sz="4000" b="1" dirty="0" smtClean="0">
-                <a:solidFill>
-                  <a:schemeClr val="accent6"/>
-                </a:solidFill>
-                <a:latin typeface="Century Gothic" pitchFamily="34" charset="0"/>
-                <a:ea typeface="Malgun Gothic Semilight" pitchFamily="34" charset="-122"/>
-                <a:cs typeface="Malgun Gothic Semilight" pitchFamily="34" charset="-122"/>
-              </a:rPr>
-              <a:t>Q&amp;A</a:t>
-            </a:r>
-            <a:endParaRPr lang="zh-CN" altLang="en-US" sz="4000" b="1" dirty="0">
-              <a:solidFill>
-                <a:schemeClr val="accent6"/>
-              </a:solidFill>
-              <a:latin typeface="Century Gothic" pitchFamily="34" charset="0"/>
-              <a:ea typeface="Malgun Gothic Semilight" pitchFamily="34" charset="-122"/>
-              <a:cs typeface="Malgun Gothic Semilight" pitchFamily="34" charset="-122"/>
-            </a:endParaRPr>
-          </a:p>
-        </p:txBody>
-      </p:sp>
-      <p:sp>
-        <p:nvSpPr>
-          <p:cNvPr id="5" name="TextBox 4"/>
-          <p:cNvSpPr txBox="1"/>
-          <p:nvPr/>
-        </p:nvSpPr>
-        <p:spPr>
-          <a:xfrm>
-            <a:off x="653211" y="1408708"/>
-            <a:ext cx="6912768" cy="2031325"/>
-          </a:xfrm>
-          <a:prstGeom prst="rect">
-            <a:avLst/>
-          </a:prstGeom>
-          <a:noFill/>
-        </p:spPr>
-        <p:txBody>
-          <a:bodyPr wrap="square" rtlCol="0">
-            <a:spAutoFit/>
-          </a:bodyPr>
-          <a:lstStyle/>
-          <a:p>
-            <a:pPr marL="342900" indent="-342900">
-              <a:buFont typeface="+mj-lt"/>
-              <a:buAutoNum type="arabicPeriod"/>
-            </a:pPr>
-            <a:r>
-              <a:rPr lang="en-US" altLang="zh-CN" dirty="0" smtClean="0"/>
-              <a:t>There’s a function `</a:t>
-            </a:r>
-            <a:r>
-              <a:rPr lang="en-US" altLang="zh-CN" dirty="0" err="1" smtClean="0"/>
-              <a:t>getIP</a:t>
-            </a:r>
-            <a:r>
-              <a:rPr lang="en-US" altLang="zh-CN" dirty="0" smtClean="0"/>
-              <a:t>()` in file `</a:t>
-            </a:r>
-            <a:r>
-              <a:rPr lang="en-US" altLang="zh-CN" dirty="0" err="1" smtClean="0"/>
-              <a:t>aario.c</a:t>
-            </a:r>
-            <a:r>
-              <a:rPr lang="en-US" altLang="zh-CN" dirty="0" smtClean="0"/>
-              <a:t>` which is included in the file `</a:t>
-            </a:r>
-            <a:r>
-              <a:rPr lang="en-US" altLang="zh-CN" dirty="0" err="1" smtClean="0"/>
-              <a:t>jack.c</a:t>
-            </a:r>
-            <a:r>
-              <a:rPr lang="en-US" altLang="zh-CN" dirty="0" smtClean="0"/>
-              <a:t>` you are coding.   Can you use it?</a:t>
-            </a:r>
-          </a:p>
-          <a:p>
-            <a:pPr marL="342900" indent="-342900">
-              <a:buFont typeface="+mj-lt"/>
-              <a:buAutoNum type="arabicPeriod"/>
-            </a:pPr>
-            <a:r>
-              <a:rPr lang="en-US" altLang="zh-CN" dirty="0" smtClean="0"/>
-              <a:t>There’s a function `</a:t>
-            </a:r>
-            <a:r>
-              <a:rPr lang="en-US" altLang="zh-CN" dirty="0" err="1" smtClean="0"/>
-              <a:t>getIP</a:t>
-            </a:r>
-            <a:r>
-              <a:rPr lang="en-US" altLang="zh-CN" dirty="0" smtClean="0"/>
-              <a:t>()` in file `</a:t>
-            </a:r>
-            <a:r>
-              <a:rPr lang="en-US" altLang="zh-CN" dirty="0" err="1" smtClean="0"/>
-              <a:t>aario.c</a:t>
-            </a:r>
-            <a:r>
-              <a:rPr lang="en-US" altLang="zh-CN" dirty="0" smtClean="0"/>
-              <a:t>` which is written by </a:t>
-            </a:r>
-            <a:r>
-              <a:rPr lang="en-US" altLang="zh-CN" dirty="0" err="1" smtClean="0"/>
-              <a:t>Aario</a:t>
-            </a:r>
-            <a:r>
-              <a:rPr lang="en-US" altLang="zh-CN" dirty="0" smtClean="0"/>
-              <a:t>. And you are Jack.  Can you remove the function `</a:t>
-            </a:r>
-            <a:r>
-              <a:rPr lang="en-US" altLang="zh-CN" dirty="0" err="1" smtClean="0"/>
-              <a:t>getIP</a:t>
-            </a:r>
-            <a:r>
-              <a:rPr lang="en-US" altLang="zh-CN" dirty="0" smtClean="0"/>
-              <a:t>()` in that file?</a:t>
-            </a:r>
-          </a:p>
-          <a:p>
-            <a:pPr marL="342900" indent="-342900">
-              <a:buFont typeface="+mj-lt"/>
-              <a:buAutoNum type="arabicPeriod"/>
-            </a:pPr>
-            <a:r>
-              <a:rPr lang="en-US" altLang="zh-CN" dirty="0" smtClean="0"/>
-              <a:t>There’s a variable `</a:t>
-            </a:r>
-            <a:r>
-              <a:rPr lang="en-US" altLang="zh-CN" dirty="0" err="1" smtClean="0"/>
-              <a:t>int</a:t>
-            </a:r>
-            <a:r>
-              <a:rPr lang="en-US" altLang="zh-CN" dirty="0" smtClean="0"/>
-              <a:t> </a:t>
-            </a:r>
-            <a:r>
-              <a:rPr lang="en-US" altLang="zh-CN" dirty="0" err="1" smtClean="0"/>
-              <a:t>ServerID</a:t>
-            </a:r>
-            <a:r>
-              <a:rPr lang="en-US" altLang="zh-CN" dirty="0" smtClean="0"/>
-              <a:t> = 10000` you wrote several days ago in file `</a:t>
-            </a:r>
-            <a:r>
-              <a:rPr lang="en-US" altLang="zh-CN" dirty="0" err="1" smtClean="0"/>
-              <a:t>jack.c</a:t>
-            </a:r>
-            <a:r>
-              <a:rPr lang="en-US" altLang="zh-CN" dirty="0" smtClean="0"/>
-              <a:t>`.  Now you don’t need it. What should you do before removing it?</a:t>
-            </a:r>
-          </a:p>
-        </p:txBody>
-      </p:sp>
-    </p:spTree>
-    <p:extLst>
-      <p:ext uri="{BB962C8B-B14F-4D97-AF65-F5344CB8AC3E}">
-        <p14:creationId xmlns:p14="http://schemas.microsoft.com/office/powerpoint/2010/main" val="1782081883"/>
-      </p:ext>
-    </p:extLst>
-  </p:cSld>
-  <p:clrMapOvr>
-    <a:masterClrMapping/>
-  </p:clrMapOvr>
-</p:sld>
-</file>
-
 <file path=ppt/slides/slide8.xml><?xml version="1.0" encoding="utf-8"?>
 <p:sld xmlns:a="http://schemas.openxmlformats.org/drawingml/2006/main" xmlns:r="http://schemas.openxmlformats.org/officeDocument/2006/relationships" xmlns:p="http://schemas.openxmlformats.org/presentationml/2006/main">
   <p:cSld>
@@ -5538,6 +5491,248 @@
       </p:grpSpPr>
       <p:sp>
         <p:nvSpPr>
+          <p:cNvPr id="4" name="TextBox 3"/>
+          <p:cNvSpPr txBox="1"/>
+          <p:nvPr/>
+        </p:nvSpPr>
+        <p:spPr>
+          <a:xfrm>
+            <a:off x="611560" y="557972"/>
+            <a:ext cx="1944216" cy="707886"/>
+          </a:xfrm>
+          <a:prstGeom prst="rect">
+            <a:avLst/>
+          </a:prstGeom>
+          <a:noFill/>
+        </p:spPr>
+        <p:txBody>
+          <a:bodyPr wrap="square" rtlCol="0">
+            <a:spAutoFit/>
+          </a:bodyPr>
+          <a:lstStyle/>
+          <a:p>
+            <a:r>
+              <a:rPr lang="en-US" altLang="zh-CN" sz="4000" b="1" dirty="0" smtClean="0">
+                <a:solidFill>
+                  <a:schemeClr val="accent6"/>
+                </a:solidFill>
+                <a:latin typeface="Century Gothic" pitchFamily="34" charset="0"/>
+                <a:ea typeface="Malgun Gothic Semilight" pitchFamily="34" charset="-122"/>
+                <a:cs typeface="Malgun Gothic Semilight" pitchFamily="34" charset="-122"/>
+              </a:rPr>
+              <a:t>Q&amp;A</a:t>
+            </a:r>
+            <a:endParaRPr lang="zh-CN" altLang="en-US" sz="4000" b="1" dirty="0">
+              <a:solidFill>
+                <a:schemeClr val="accent6"/>
+              </a:solidFill>
+              <a:latin typeface="Century Gothic" pitchFamily="34" charset="0"/>
+              <a:ea typeface="Malgun Gothic Semilight" pitchFamily="34" charset="-122"/>
+              <a:cs typeface="Malgun Gothic Semilight" pitchFamily="34" charset="-122"/>
+            </a:endParaRPr>
+          </a:p>
+        </p:txBody>
+      </p:sp>
+      <p:sp>
+        <p:nvSpPr>
+          <p:cNvPr id="5" name="TextBox 4"/>
+          <p:cNvSpPr txBox="1"/>
+          <p:nvPr/>
+        </p:nvSpPr>
+        <p:spPr>
+          <a:xfrm>
+            <a:off x="653211" y="1408708"/>
+            <a:ext cx="6912768" cy="3139321"/>
+          </a:xfrm>
+          <a:prstGeom prst="rect">
+            <a:avLst/>
+          </a:prstGeom>
+          <a:noFill/>
+        </p:spPr>
+        <p:txBody>
+          <a:bodyPr wrap="square" rtlCol="0">
+            <a:spAutoFit/>
+          </a:bodyPr>
+          <a:lstStyle/>
+          <a:p>
+            <a:pPr marL="342900" indent="-342900">
+              <a:buFont typeface="+mj-lt"/>
+              <a:buAutoNum type="arabicPeriod"/>
+            </a:pPr>
+            <a:r>
+              <a:rPr lang="en-US" altLang="zh-CN" dirty="0" smtClean="0"/>
+              <a:t>There’s a function `</a:t>
+            </a:r>
+            <a:r>
+              <a:rPr lang="en-US" altLang="zh-CN" dirty="0" err="1" smtClean="0"/>
+              <a:t>getIP</a:t>
+            </a:r>
+            <a:r>
+              <a:rPr lang="en-US" altLang="zh-CN" dirty="0" smtClean="0"/>
+              <a:t>()` in file `</a:t>
+            </a:r>
+            <a:r>
+              <a:rPr lang="en-US" altLang="zh-CN" dirty="0" err="1" smtClean="0"/>
+              <a:t>aario.c</a:t>
+            </a:r>
+            <a:r>
+              <a:rPr lang="en-US" altLang="zh-CN" dirty="0" smtClean="0"/>
+              <a:t>` which is included in the file `</a:t>
+            </a:r>
+            <a:r>
+              <a:rPr lang="en-US" altLang="zh-CN" dirty="0" err="1" smtClean="0"/>
+              <a:t>jack.c</a:t>
+            </a:r>
+            <a:r>
+              <a:rPr lang="en-US" altLang="zh-CN" dirty="0" smtClean="0"/>
+              <a:t>` you are coding.   Can you use it?</a:t>
+            </a:r>
+          </a:p>
+          <a:p>
+            <a:pPr marL="342900" indent="-342900">
+              <a:buFont typeface="+mj-lt"/>
+              <a:buAutoNum type="arabicPeriod"/>
+            </a:pPr>
+            <a:r>
+              <a:rPr lang="en-US" altLang="zh-CN" dirty="0" smtClean="0"/>
+              <a:t>There’s a function `</a:t>
+            </a:r>
+            <a:r>
+              <a:rPr lang="en-US" altLang="zh-CN" dirty="0" err="1" smtClean="0"/>
+              <a:t>getIP</a:t>
+            </a:r>
+            <a:r>
+              <a:rPr lang="en-US" altLang="zh-CN" dirty="0" smtClean="0"/>
+              <a:t>()` in file `</a:t>
+            </a:r>
+            <a:r>
+              <a:rPr lang="en-US" altLang="zh-CN" dirty="0" err="1" smtClean="0"/>
+              <a:t>aario.c</a:t>
+            </a:r>
+            <a:r>
+              <a:rPr lang="en-US" altLang="zh-CN" dirty="0" smtClean="0"/>
+              <a:t>` which is written by </a:t>
+            </a:r>
+            <a:r>
+              <a:rPr lang="en-US" altLang="zh-CN" dirty="0" err="1" smtClean="0"/>
+              <a:t>Aario</a:t>
+            </a:r>
+            <a:r>
+              <a:rPr lang="en-US" altLang="zh-CN" dirty="0" smtClean="0"/>
+              <a:t>. And you are Jack.  Can you remove the function `</a:t>
+            </a:r>
+            <a:r>
+              <a:rPr lang="en-US" altLang="zh-CN" dirty="0" err="1" smtClean="0"/>
+              <a:t>getIP</a:t>
+            </a:r>
+            <a:r>
+              <a:rPr lang="en-US" altLang="zh-CN" dirty="0" smtClean="0"/>
+              <a:t>()` in that file?</a:t>
+            </a:r>
+          </a:p>
+          <a:p>
+            <a:pPr marL="342900" indent="-342900">
+              <a:buFont typeface="+mj-lt"/>
+              <a:buAutoNum type="arabicPeriod"/>
+            </a:pPr>
+            <a:r>
+              <a:rPr lang="en-US" altLang="zh-CN" dirty="0" smtClean="0"/>
+              <a:t>There’s a variable `</a:t>
+            </a:r>
+            <a:r>
+              <a:rPr lang="en-US" altLang="zh-CN" dirty="0" err="1" smtClean="0"/>
+              <a:t>int</a:t>
+            </a:r>
+            <a:r>
+              <a:rPr lang="en-US" altLang="zh-CN" dirty="0" smtClean="0"/>
+              <a:t> </a:t>
+            </a:r>
+            <a:r>
+              <a:rPr lang="en-US" altLang="zh-CN" dirty="0" err="1" smtClean="0"/>
+              <a:t>ServerID</a:t>
+            </a:r>
+            <a:r>
+              <a:rPr lang="en-US" altLang="zh-CN" dirty="0" smtClean="0"/>
+              <a:t> = 10000` you wrote several days ago in file `</a:t>
+            </a:r>
+            <a:r>
+              <a:rPr lang="en-US" altLang="zh-CN" dirty="0" err="1" smtClean="0"/>
+              <a:t>jack.c</a:t>
+            </a:r>
+            <a:r>
+              <a:rPr lang="en-US" altLang="zh-CN" dirty="0" smtClean="0"/>
+              <a:t>`.  Now you don’t need it. What should you do before removing it</a:t>
+            </a:r>
+            <a:r>
+              <a:rPr lang="en-US" altLang="zh-CN" dirty="0" smtClean="0"/>
+              <a:t>?</a:t>
+            </a:r>
+          </a:p>
+          <a:p>
+            <a:pPr marL="342900" indent="-342900">
+              <a:buFont typeface="+mj-lt"/>
+              <a:buAutoNum type="arabicPeriod"/>
+            </a:pPr>
+            <a:r>
+              <a:rPr lang="en-US" altLang="zh-CN" dirty="0" smtClean="0"/>
+              <a:t>You’re optimizing a file ‘</a:t>
+            </a:r>
+            <a:r>
+              <a:rPr lang="en-US" altLang="zh-CN" dirty="0" err="1" smtClean="0"/>
+              <a:t>Aario.php</a:t>
+            </a:r>
+            <a:r>
+              <a:rPr lang="en-US" altLang="zh-CN" dirty="0" smtClean="0"/>
+              <a:t>’ which </a:t>
+            </a:r>
+            <a:r>
+              <a:rPr lang="en-US" altLang="zh-CN" dirty="0" smtClean="0"/>
+              <a:t>belongs to your partner. He indents with 2 spaces and you always indent with 4. Can you re-format ‘</a:t>
+            </a:r>
+            <a:r>
+              <a:rPr lang="en-US" altLang="zh-CN" dirty="0" err="1" smtClean="0"/>
+              <a:t>Aario.php</a:t>
+            </a:r>
+            <a:r>
+              <a:rPr lang="en-US" altLang="zh-CN" dirty="0" smtClean="0"/>
+              <a:t>’? If you really want to reformat it, what should you do?</a:t>
+            </a:r>
+            <a:endParaRPr lang="en-US" altLang="zh-CN" dirty="0" smtClean="0"/>
+          </a:p>
+        </p:txBody>
+      </p:sp>
+    </p:spTree>
+    <p:extLst>
+      <p:ext uri="{BB962C8B-B14F-4D97-AF65-F5344CB8AC3E}">
+        <p14:creationId xmlns:p14="http://schemas.microsoft.com/office/powerpoint/2010/main" val="1782081883"/>
+      </p:ext>
+    </p:extLst>
+  </p:cSld>
+  <p:clrMapOvr>
+    <a:masterClrMapping/>
+  </p:clrMapOvr>
+</p:sld>
+</file>
+
+<file path=ppt/slides/slide9.xml><?xml version="1.0" encoding="utf-8"?>
+<p:sld xmlns:a="http://schemas.openxmlformats.org/drawingml/2006/main" xmlns:r="http://schemas.openxmlformats.org/officeDocument/2006/relationships" xmlns:p="http://schemas.openxmlformats.org/presentationml/2006/main">
+  <p:cSld>
+    <p:spTree>
+      <p:nvGrpSpPr>
+        <p:cNvPr id="1" name=""/>
+        <p:cNvGrpSpPr/>
+        <p:nvPr/>
+      </p:nvGrpSpPr>
+      <p:grpSpPr>
+        <a:xfrm>
+          <a:off x="0" y="0"/>
+          <a:ext cx="0" cy="0"/>
+          <a:chOff x="0" y="0"/>
+          <a:chExt cx="0" cy="0"/>
+        </a:xfrm>
+      </p:grpSpPr>
+      <p:sp>
+        <p:nvSpPr>
           <p:cNvPr id="2" name="标题 1"/>
           <p:cNvSpPr>
             <a:spLocks noGrp="1"/>
@@ -5558,11 +5753,7 @@
           <a:p>
             <a:r>
               <a:rPr lang="en-US" altLang="zh-CN" dirty="0" smtClean="0"/>
-              <a:t>Thanks</a:t>
-            </a:r>
-            <a:r>
-              <a:rPr lang="en-US" altLang="zh-CN" dirty="0" smtClean="0"/>
-              <a:t>, by </a:t>
+              <a:t>Thanks, by </a:t>
             </a:r>
             <a:r>
               <a:rPr lang="en-US" altLang="zh-CN" dirty="0" err="1" smtClean="0"/>

--- a/Aario-PPT/IT/2. Aario's Code Style Guide.pptx
+++ b/Aario-PPT/IT/2. Aario's Code Style Guide.pptx
@@ -312,7 +312,7 @@
           <a:p>
             <a:fld id="{530820CF-B880-4189-942D-D702A7CBA730}" type="datetimeFigureOut">
               <a:rPr lang="zh-CN" altLang="en-US" smtClean="0"/>
-              <a:t>2016/7/27</a:t>
+              <a:t>2016/7/28</a:t>
             </a:fld>
             <a:endParaRPr lang="zh-CN" altLang="en-US"/>
           </a:p>
@@ -477,7 +477,7 @@
           <a:p>
             <a:fld id="{530820CF-B880-4189-942D-D702A7CBA730}" type="datetimeFigureOut">
               <a:rPr lang="zh-CN" altLang="en-US" smtClean="0"/>
-              <a:t>2016/7/27</a:t>
+              <a:t>2016/7/28</a:t>
             </a:fld>
             <a:endParaRPr lang="zh-CN" altLang="en-US"/>
           </a:p>
@@ -652,7 +652,7 @@
           <a:p>
             <a:fld id="{530820CF-B880-4189-942D-D702A7CBA730}" type="datetimeFigureOut">
               <a:rPr lang="zh-CN" altLang="en-US" smtClean="0"/>
-              <a:t>2016/7/27</a:t>
+              <a:t>2016/7/28</a:t>
             </a:fld>
             <a:endParaRPr lang="zh-CN" altLang="en-US"/>
           </a:p>
@@ -817,7 +817,7 @@
           <a:p>
             <a:fld id="{530820CF-B880-4189-942D-D702A7CBA730}" type="datetimeFigureOut">
               <a:rPr lang="zh-CN" altLang="en-US" smtClean="0"/>
-              <a:t>2016/7/27</a:t>
+              <a:t>2016/7/28</a:t>
             </a:fld>
             <a:endParaRPr lang="zh-CN" altLang="en-US"/>
           </a:p>
@@ -1058,7 +1058,7 @@
           <a:p>
             <a:fld id="{530820CF-B880-4189-942D-D702A7CBA730}" type="datetimeFigureOut">
               <a:rPr lang="zh-CN" altLang="en-US" smtClean="0"/>
-              <a:t>2016/7/27</a:t>
+              <a:t>2016/7/28</a:t>
             </a:fld>
             <a:endParaRPr lang="zh-CN" altLang="en-US"/>
           </a:p>
@@ -1341,7 +1341,7 @@
           <a:p>
             <a:fld id="{530820CF-B880-4189-942D-D702A7CBA730}" type="datetimeFigureOut">
               <a:rPr lang="zh-CN" altLang="en-US" smtClean="0"/>
-              <a:t>2016/7/27</a:t>
+              <a:t>2016/7/28</a:t>
             </a:fld>
             <a:endParaRPr lang="zh-CN" altLang="en-US"/>
           </a:p>
@@ -1758,7 +1758,7 @@
           <a:p>
             <a:fld id="{530820CF-B880-4189-942D-D702A7CBA730}" type="datetimeFigureOut">
               <a:rPr lang="zh-CN" altLang="en-US" smtClean="0"/>
-              <a:t>2016/7/27</a:t>
+              <a:t>2016/7/28</a:t>
             </a:fld>
             <a:endParaRPr lang="zh-CN" altLang="en-US"/>
           </a:p>
@@ -1871,7 +1871,7 @@
           <a:p>
             <a:fld id="{530820CF-B880-4189-942D-D702A7CBA730}" type="datetimeFigureOut">
               <a:rPr lang="zh-CN" altLang="en-US" smtClean="0"/>
-              <a:t>2016/7/27</a:t>
+              <a:t>2016/7/28</a:t>
             </a:fld>
             <a:endParaRPr lang="zh-CN" altLang="en-US"/>
           </a:p>
@@ -1961,7 +1961,7 @@
           <a:p>
             <a:fld id="{530820CF-B880-4189-942D-D702A7CBA730}" type="datetimeFigureOut">
               <a:rPr lang="zh-CN" altLang="en-US" smtClean="0"/>
-              <a:t>2016/7/27</a:t>
+              <a:t>2016/7/28</a:t>
             </a:fld>
             <a:endParaRPr lang="zh-CN" altLang="en-US"/>
           </a:p>
@@ -2233,7 +2233,7 @@
           <a:p>
             <a:fld id="{530820CF-B880-4189-942D-D702A7CBA730}" type="datetimeFigureOut">
               <a:rPr lang="zh-CN" altLang="en-US" smtClean="0"/>
-              <a:t>2016/7/27</a:t>
+              <a:t>2016/7/28</a:t>
             </a:fld>
             <a:endParaRPr lang="zh-CN" altLang="en-US"/>
           </a:p>
@@ -2481,7 +2481,7 @@
           <a:p>
             <a:fld id="{530820CF-B880-4189-942D-D702A7CBA730}" type="datetimeFigureOut">
               <a:rPr lang="zh-CN" altLang="en-US" smtClean="0"/>
-              <a:t>2016/7/27</a:t>
+              <a:t>2016/7/28</a:t>
             </a:fld>
             <a:endParaRPr lang="zh-CN" altLang="en-US"/>
           </a:p>
@@ -2689,7 +2689,7 @@
           <a:p>
             <a:fld id="{530820CF-B880-4189-942D-D702A7CBA730}" type="datetimeFigureOut">
               <a:rPr lang="zh-CN" altLang="en-US" smtClean="0"/>
-              <a:t>2016/7/27</a:t>
+              <a:t>2016/7/28</a:t>
             </a:fld>
             <a:endParaRPr lang="zh-CN" altLang="en-US"/>
           </a:p>
@@ -3406,7 +3406,7 @@
           <a:p>
             <a:r>
               <a:rPr lang="en-US" altLang="zh-CN" sz="2400" dirty="0" smtClean="0"/>
-              <a:t>Variables can only be used in current file should be named start with a low-case character. Such as, </a:t>
+              <a:t>Variables can only be used in current file should be named start with a lower-case character. Such as, </a:t>
             </a:r>
             <a:r>
               <a:rPr lang="en-US" altLang="zh-CN" sz="2400" dirty="0" err="1" smtClean="0"/>
@@ -3706,7 +3706,7 @@
             </a:pPr>
             <a:r>
               <a:rPr lang="en-US" altLang="zh-CN" dirty="0" smtClean="0"/>
-              <a:t>You can remove any variable named start with a low-case character without notifying others.</a:t>
+              <a:t>You can remove any variable named start with a lower-case character without notifying others.</a:t>
             </a:r>
           </a:p>
           <a:p>
@@ -3716,7 +3716,7 @@
             </a:pPr>
             <a:r>
               <a:rPr lang="en-US" altLang="zh-CN" dirty="0" smtClean="0"/>
-              <a:t>You can give any name you want to            a local variable which should be named start with a low-case character.</a:t>
+              <a:t>You can give any name you want to            a local variable which should be named start with a lower-case                               character.</a:t>
             </a:r>
           </a:p>
           <a:p>
@@ -3820,7 +3820,7 @@
         <p:spPr>
           <a:xfrm>
             <a:off x="5292080" y="2420888"/>
-            <a:ext cx="3096344" cy="2031325"/>
+            <a:ext cx="3096344" cy="2308324"/>
           </a:xfrm>
           <a:prstGeom prst="rect">
             <a:avLst/>
@@ -3835,13 +3835,21 @@
           <a:p>
             <a:r>
               <a:rPr lang="en-US" altLang="zh-CN" dirty="0" smtClean="0"/>
-              <a:t>Follow the code style of whose file you are modifying. </a:t>
+              <a:t>Following the code style of the file you are modifying. </a:t>
             </a:r>
           </a:p>
           <a:p>
             <a:r>
               <a:rPr lang="en-US" altLang="zh-CN" dirty="0" smtClean="0"/>
-              <a:t>Do not reformat the code style that doesn't belong to you! </a:t>
+              <a:t>Do not reformat the code style </a:t>
+            </a:r>
+            <a:r>
+              <a:rPr lang="en-US" altLang="zh-CN" dirty="0" smtClean="0"/>
+              <a:t>of a file which doesn't </a:t>
+            </a:r>
+            <a:r>
+              <a:rPr lang="en-US" altLang="zh-CN" dirty="0" smtClean="0"/>
+              <a:t>belong to you! </a:t>
             </a:r>
           </a:p>
           <a:p>
@@ -5661,11 +5669,7 @@
             </a:r>
             <a:r>
               <a:rPr lang="en-US" altLang="zh-CN" dirty="0" smtClean="0"/>
-              <a:t>`.  Now you don’t need it. What should you do before removing it</a:t>
-            </a:r>
-            <a:r>
-              <a:rPr lang="en-US" altLang="zh-CN" dirty="0" smtClean="0"/>
-              <a:t>?</a:t>
+              <a:t>`.  Now you don’t need it. What should you do before removing it?</a:t>
             </a:r>
           </a:p>
           <a:p>
@@ -5683,11 +5687,7 @@
             </a:r>
             <a:r>
               <a:rPr lang="en-US" altLang="zh-CN" dirty="0" smtClean="0"/>
-              <a:t>’ which </a:t>
-            </a:r>
-            <a:r>
-              <a:rPr lang="en-US" altLang="zh-CN" dirty="0" smtClean="0"/>
-              <a:t>belongs to your partner. He indents with 2 spaces and you always indent with 4. Can you re-format ‘</a:t>
+              <a:t>’ which belongs to your partner. He indents with 2 spaces and you always indent with 4. Can you re-format ‘</a:t>
             </a:r>
             <a:r>
               <a:rPr lang="en-US" altLang="zh-CN" dirty="0" err="1" smtClean="0"/>
@@ -5697,7 +5697,6 @@
               <a:rPr lang="en-US" altLang="zh-CN" dirty="0" smtClean="0"/>
               <a:t>’? If you really want to reformat it, what should you do?</a:t>
             </a:r>
-            <a:endParaRPr lang="en-US" altLang="zh-CN" dirty="0" smtClean="0"/>
           </a:p>
         </p:txBody>
       </p:sp>
